--- a/3 am/2 العروض التقديمية/1 تصميم عرض تقديمي/cours 12/حيوانات الغابة.pptx
+++ b/3 am/2 العروض التقديمية/1 تصميم عرض تقديمي/cours 12/حيوانات الغابة.pptx
@@ -245,7 +245,7 @@
           <a:p>
             <a:fld id="{8CC647DE-DEAD-41B8-A3BC-F21B3D8154B7}" type="datetimeFigureOut">
               <a:rPr lang="fr-FR" smtClean="0"/>
-              <a:t>18/02/2025</a:t>
+              <a:t>15/04/2025</a:t>
             </a:fld>
             <a:endParaRPr lang="fr-FR"/>
           </a:p>
@@ -415,7 +415,7 @@
           <a:p>
             <a:fld id="{8CC647DE-DEAD-41B8-A3BC-F21B3D8154B7}" type="datetimeFigureOut">
               <a:rPr lang="fr-FR" smtClean="0"/>
-              <a:t>18/02/2025</a:t>
+              <a:t>15/04/2025</a:t>
             </a:fld>
             <a:endParaRPr lang="fr-FR"/>
           </a:p>
@@ -595,7 +595,7 @@
           <a:p>
             <a:fld id="{8CC647DE-DEAD-41B8-A3BC-F21B3D8154B7}" type="datetimeFigureOut">
               <a:rPr lang="fr-FR" smtClean="0"/>
-              <a:t>18/02/2025</a:t>
+              <a:t>15/04/2025</a:t>
             </a:fld>
             <a:endParaRPr lang="fr-FR"/>
           </a:p>
@@ -765,7 +765,7 @@
           <a:p>
             <a:fld id="{8CC647DE-DEAD-41B8-A3BC-F21B3D8154B7}" type="datetimeFigureOut">
               <a:rPr lang="fr-FR" smtClean="0"/>
-              <a:t>18/02/2025</a:t>
+              <a:t>15/04/2025</a:t>
             </a:fld>
             <a:endParaRPr lang="fr-FR"/>
           </a:p>
@@ -1011,7 +1011,7 @@
           <a:p>
             <a:fld id="{8CC647DE-DEAD-41B8-A3BC-F21B3D8154B7}" type="datetimeFigureOut">
               <a:rPr lang="fr-FR" smtClean="0"/>
-              <a:t>18/02/2025</a:t>
+              <a:t>15/04/2025</a:t>
             </a:fld>
             <a:endParaRPr lang="fr-FR"/>
           </a:p>
@@ -1243,7 +1243,7 @@
           <a:p>
             <a:fld id="{8CC647DE-DEAD-41B8-A3BC-F21B3D8154B7}" type="datetimeFigureOut">
               <a:rPr lang="fr-FR" smtClean="0"/>
-              <a:t>18/02/2025</a:t>
+              <a:t>15/04/2025</a:t>
             </a:fld>
             <a:endParaRPr lang="fr-FR"/>
           </a:p>
@@ -1610,7 +1610,7 @@
           <a:p>
             <a:fld id="{8CC647DE-DEAD-41B8-A3BC-F21B3D8154B7}" type="datetimeFigureOut">
               <a:rPr lang="fr-FR" smtClean="0"/>
-              <a:t>18/02/2025</a:t>
+              <a:t>15/04/2025</a:t>
             </a:fld>
             <a:endParaRPr lang="fr-FR"/>
           </a:p>
@@ -1728,7 +1728,7 @@
           <a:p>
             <a:fld id="{8CC647DE-DEAD-41B8-A3BC-F21B3D8154B7}" type="datetimeFigureOut">
               <a:rPr lang="fr-FR" smtClean="0"/>
-              <a:t>18/02/2025</a:t>
+              <a:t>15/04/2025</a:t>
             </a:fld>
             <a:endParaRPr lang="fr-FR"/>
           </a:p>
@@ -1823,7 +1823,7 @@
           <a:p>
             <a:fld id="{8CC647DE-DEAD-41B8-A3BC-F21B3D8154B7}" type="datetimeFigureOut">
               <a:rPr lang="fr-FR" smtClean="0"/>
-              <a:t>18/02/2025</a:t>
+              <a:t>15/04/2025</a:t>
             </a:fld>
             <a:endParaRPr lang="fr-FR"/>
           </a:p>
@@ -2100,7 +2100,7 @@
           <a:p>
             <a:fld id="{8CC647DE-DEAD-41B8-A3BC-F21B3D8154B7}" type="datetimeFigureOut">
               <a:rPr lang="fr-FR" smtClean="0"/>
-              <a:t>18/02/2025</a:t>
+              <a:t>15/04/2025</a:t>
             </a:fld>
             <a:endParaRPr lang="fr-FR"/>
           </a:p>
@@ -2353,7 +2353,7 @@
           <a:p>
             <a:fld id="{8CC647DE-DEAD-41B8-A3BC-F21B3D8154B7}" type="datetimeFigureOut">
               <a:rPr lang="fr-FR" smtClean="0"/>
-              <a:t>18/02/2025</a:t>
+              <a:t>15/04/2025</a:t>
             </a:fld>
             <a:endParaRPr lang="fr-FR"/>
           </a:p>
@@ -2566,7 +2566,7 @@
           <a:p>
             <a:fld id="{8CC647DE-DEAD-41B8-A3BC-F21B3D8154B7}" type="datetimeFigureOut">
               <a:rPr lang="fr-FR" smtClean="0"/>
-              <a:t>18/02/2025</a:t>
+              <a:t>15/04/2025</a:t>
             </a:fld>
             <a:endParaRPr lang="fr-FR"/>
           </a:p>
@@ -3089,11 +3089,11 @@
   <p:clrMapOvr>
     <a:masterClrMapping/>
   </p:clrMapOvr>
-  <mc:AlternateContent xmlns:mc="http://schemas.openxmlformats.org/markup-compatibility/2006">
-    <mc:Choice xmlns:p14="http://schemas.microsoft.com/office/powerpoint/2010/main" Requires="p14">
+  <mc:AlternateContent xmlns:mc="http://schemas.openxmlformats.org/markup-compatibility/2006" xmlns:p14="http://schemas.microsoft.com/office/powerpoint/2010/main">
+    <mc:Choice Requires="p14">
       <p:transition p14:dur="0"/>
     </mc:Choice>
-    <mc:Fallback>
+    <mc:Fallback xmlns="">
       <p:transition/>
     </mc:Fallback>
   </mc:AlternateContent>
@@ -3225,11 +3225,11 @@
   <p:clrMapOvr>
     <a:masterClrMapping/>
   </p:clrMapOvr>
-  <mc:AlternateContent xmlns:mc="http://schemas.openxmlformats.org/markup-compatibility/2006">
-    <mc:Choice xmlns:p14="http://schemas.microsoft.com/office/powerpoint/2010/main" Requires="p14">
+  <mc:AlternateContent xmlns:mc="http://schemas.openxmlformats.org/markup-compatibility/2006" xmlns:p14="http://schemas.microsoft.com/office/powerpoint/2010/main">
+    <mc:Choice Requires="p14">
       <p:transition p14:dur="0"/>
     </mc:Choice>
-    <mc:Fallback>
+    <mc:Fallback xmlns="">
       <p:transition/>
     </mc:Fallback>
   </mc:AlternateContent>
@@ -3291,9 +3291,39 @@
           </a:p>
         </p:txBody>
       </p:sp>
+      <p:sp>
+        <p:nvSpPr>
+          <p:cNvPr id="8" name="Rectangle 7"/>
+          <p:cNvSpPr/>
+          <p:nvPr/>
+        </p:nvSpPr>
+        <p:spPr>
+          <a:xfrm>
+            <a:off x="7752523" y="1941442"/>
+            <a:ext cx="3962399" cy="3785652"/>
+          </a:xfrm>
+          <a:prstGeom prst="rect">
+            <a:avLst/>
+          </a:prstGeom>
+        </p:spPr>
+        <p:txBody>
+          <a:bodyPr wrap="square">
+            <a:spAutoFit/>
+          </a:bodyPr>
+          <a:lstStyle/>
+          <a:p>
+            <a:pPr algn="r" rtl="1"/>
+            <a:r>
+              <a:rPr lang="ar-DZ" sz="4000" dirty="0"/>
+              <a:t>الفيل هو أكبر الحيوانات البرية، يتميز بخرطومه الطويل وأنيابه العاجية. يعيش في إفريقيا وآسيا، وهو حيوان ذكي واجتماعي</a:t>
+            </a:r>
+            <a:endParaRPr lang="fr-FR" sz="4000" dirty="0"/>
+          </a:p>
+        </p:txBody>
+      </p:sp>
       <p:pic>
         <p:nvPicPr>
-          <p:cNvPr id="7" name="Image 6"/>
+          <p:cNvPr id="9" name="Image 8"/>
           <p:cNvPicPr>
             <a:picLocks noChangeAspect="1"/>
           </p:cNvPicPr>
@@ -3313,44 +3343,14 @@
         </p:blipFill>
         <p:spPr>
           <a:xfrm>
-            <a:off x="273878" y="1689651"/>
-            <a:ext cx="7187096" cy="4797387"/>
+            <a:off x="132522" y="1749287"/>
+            <a:ext cx="7275443" cy="4903304"/>
           </a:xfrm>
           <a:prstGeom prst="rect">
             <a:avLst/>
           </a:prstGeom>
         </p:spPr>
       </p:pic>
-      <p:sp>
-        <p:nvSpPr>
-          <p:cNvPr id="8" name="Rectangle 7"/>
-          <p:cNvSpPr/>
-          <p:nvPr/>
-        </p:nvSpPr>
-        <p:spPr>
-          <a:xfrm>
-            <a:off x="7752523" y="1941442"/>
-            <a:ext cx="3962399" cy="3785652"/>
-          </a:xfrm>
-          <a:prstGeom prst="rect">
-            <a:avLst/>
-          </a:prstGeom>
-        </p:spPr>
-        <p:txBody>
-          <a:bodyPr wrap="square">
-            <a:spAutoFit/>
-          </a:bodyPr>
-          <a:lstStyle/>
-          <a:p>
-            <a:pPr algn="r" rtl="1"/>
-            <a:r>
-              <a:rPr lang="ar-DZ" sz="4000" dirty="0"/>
-              <a:t>الفيل هو أكبر الحيوانات البرية، يتميز بخرطومه الطويل وأنيابه العاجية. يعيش في إفريقيا وآسيا، وهو حيوان ذكي واجتماعي</a:t>
-            </a:r>
-            <a:endParaRPr lang="fr-FR" sz="4000" dirty="0"/>
-          </a:p>
-        </p:txBody>
-      </p:sp>
     </p:spTree>
     <p:extLst>
       <p:ext uri="{BB962C8B-B14F-4D97-AF65-F5344CB8AC3E}">
@@ -3363,7 +3363,7 @@
   </p:clrMapOvr>
   <mc:AlternateContent xmlns:mc="http://schemas.openxmlformats.org/markup-compatibility/2006">
     <mc:Choice xmlns:p14="http://schemas.microsoft.com/office/powerpoint/2010/main" Requires="p14">
-      <p:transition p14:dur="0"/>
+      <p:transition p14:dur="10"/>
     </mc:Choice>
     <mc:Fallback>
       <p:transition/>
